--- a/prezi.pptx
+++ b/prezi.pptx
@@ -111,6 +111,11 @@
       </a:defRPr>
     </a:lvl9pPr>
   </p:defaultTextStyle>
+  <p:extLst>
+    <p:ext uri="{EFAFB233-063F-42B5-8137-9DF3F51BA10A}">
+      <p15:sldGuideLst xmlns:p15="http://schemas.microsoft.com/office/powerpoint/2012/main"/>
+    </p:ext>
+  </p:extLst>
 </p:presentation>
 </file>
 
@@ -209,7 +214,7 @@
           <a:effectLst/>
           <a:extLst>
             <a:ext uri="{91240B29-F687-4f45-9708-019B960494DF}">
-              <a14:hiddenLine xmlns:a14="http://schemas.microsoft.com/office/drawing/2010/main" xmlns="" w="9525">
+              <a14:hiddenLine xmlns="" xmlns:a14="http://schemas.microsoft.com/office/drawing/2010/main" w="9525">
                 <a:solidFill>
                   <a:srgbClr val="000000"/>
                 </a:solidFill>
@@ -1719,7 +1724,7 @@
           <a:ln/>
           <a:extLst>
             <a:ext uri="{91240B29-F687-4f45-9708-019B960494DF}">
-              <a14:hiddenLine xmlns:a14="http://schemas.microsoft.com/office/drawing/2010/main" xmlns="" w="9525">
+              <a14:hiddenLine xmlns="" xmlns:a14="http://schemas.microsoft.com/office/drawing/2010/main" w="9525">
                 <a:solidFill>
                   <a:srgbClr val="000000"/>
                 </a:solidFill>
@@ -1991,7 +1996,7 @@
           <a:ln/>
           <a:extLst>
             <a:ext uri="{91240B29-F687-4f45-9708-019B960494DF}">
-              <a14:hiddenLine xmlns:a14="http://schemas.microsoft.com/office/drawing/2010/main" xmlns="" w="9525">
+              <a14:hiddenLine xmlns="" xmlns:a14="http://schemas.microsoft.com/office/drawing/2010/main" w="9525">
                 <a:solidFill>
                   <a:srgbClr val="000000"/>
                 </a:solidFill>
@@ -2271,7 +2276,7 @@
           <a:ln/>
           <a:extLst>
             <a:ext uri="{91240B29-F687-4f45-9708-019B960494DF}">
-              <a14:hiddenLine xmlns:a14="http://schemas.microsoft.com/office/drawing/2010/main" xmlns="" w="9525">
+              <a14:hiddenLine xmlns="" xmlns:a14="http://schemas.microsoft.com/office/drawing/2010/main" w="9525">
                 <a:solidFill>
                   <a:srgbClr val="000000"/>
                 </a:solidFill>
@@ -2891,7 +2896,7 @@
           <a:ln/>
           <a:extLst>
             <a:ext uri="{91240B29-F687-4f45-9708-019B960494DF}">
-              <a14:hiddenLine xmlns:a14="http://schemas.microsoft.com/office/drawing/2010/main" xmlns="" w="9525">
+              <a14:hiddenLine xmlns="" xmlns:a14="http://schemas.microsoft.com/office/drawing/2010/main" w="9525">
                 <a:solidFill>
                   <a:srgbClr val="000000"/>
                 </a:solidFill>
@@ -3227,7 +3232,7 @@
           <a:ln/>
           <a:extLst>
             <a:ext uri="{91240B29-F687-4f45-9708-019B960494DF}">
-              <a14:hiddenLine xmlns:a14="http://schemas.microsoft.com/office/drawing/2010/main" xmlns="" w="9525">
+              <a14:hiddenLine xmlns="" xmlns:a14="http://schemas.microsoft.com/office/drawing/2010/main" w="9525">
                 <a:solidFill>
                   <a:srgbClr val="000000"/>
                 </a:solidFill>
@@ -3701,7 +3706,7 @@
           <a:ln/>
           <a:extLst>
             <a:ext uri="{91240B29-F687-4f45-9708-019B960494DF}">
-              <a14:hiddenLine xmlns:a14="http://schemas.microsoft.com/office/drawing/2010/main" xmlns="" w="9525">
+              <a14:hiddenLine xmlns="" xmlns:a14="http://schemas.microsoft.com/office/drawing/2010/main" w="9525">
                 <a:solidFill>
                   <a:srgbClr val="000000"/>
                 </a:solidFill>
@@ -4124,7 +4129,7 @@
           <a:ln/>
           <a:extLst>
             <a:ext uri="{91240B29-F687-4f45-9708-019B960494DF}">
-              <a14:hiddenLine xmlns:a14="http://schemas.microsoft.com/office/drawing/2010/main" xmlns="" w="9525">
+              <a14:hiddenLine xmlns="" xmlns:a14="http://schemas.microsoft.com/office/drawing/2010/main" w="9525">
                 <a:solidFill>
                   <a:srgbClr val="000000"/>
                 </a:solidFill>
@@ -7518,12 +7523,21 @@
             <p:ph idx="1"/>
           </p:nvPr>
         </p:nvSpPr>
-        <p:spPr/>
+        <p:spPr>
+          <a:xfrm>
+            <a:off x="818712" y="2222288"/>
+            <a:ext cx="10554574" cy="570340"/>
+          </a:xfrm>
+        </p:spPr>
         <p:txBody>
           <a:bodyPr/>
           <a:lstStyle/>
           <a:p>
-            <a:endParaRPr lang="hu-HU"/>
+            <a:r>
+              <a:rPr lang="hu-HU" dirty="0"/>
+              <a:t>https://github.com/laurago9826/diagnosztikai</a:t>
+            </a:r>
+            <a:endParaRPr lang="hu-HU" dirty="0"/>
           </a:p>
         </p:txBody>
       </p:sp>
